--- a/Week 11/CodingLessonEleven.pptx
+++ b/Week 11/CodingLessonEleven.pptx
@@ -148,6 +148,7 @@
     <p1510:client id="{88A81EF5-5C6E-4105-8592-CE9C558783D0}" v="123" dt="2022-09-24T02:55:11.934"/>
     <p1510:client id="{8E100048-15D9-40E3-9F4A-605E38C60986}" v="22" dt="2022-07-30T19:58:18.773"/>
     <p1510:client id="{98984EB0-B2A9-46F3-B605-3995D4C67823}" v="196" dt="2022-08-22T03:55:57.300"/>
+    <p1510:client id="{AF4001EA-127A-4063-9B16-D3816FEC2C09}" v="32" dt="2022-11-14T22:48:40.213"/>
     <p1510:client id="{B2D21338-0C67-4607-8AE6-448FCF01276D}" v="448" dt="2022-10-25T05:56:17.253"/>
     <p1510:client id="{BD7488FD-54B8-4CD8-8770-63E9039E4F19}" v="6" dt="2022-08-20T03:13:48.162"/>
     <p1510:client id="{BDF3CB00-85A8-4C97-ABC2-713D682B989C}" v="243" dt="2022-10-17T05:33:45.407"/>
@@ -292,7 +293,7 @@
           <a:p>
             <a:fld id="{846CE7D5-CF57-46EF-B807-FDD0502418D4}" type="datetimeFigureOut">
               <a:rPr lang="en-US" smtClean="0"/>
-              <a:t>11/13/2022</a:t>
+              <a:t>11/14/2022</a:t>
             </a:fld>
             <a:endParaRPr lang="en-US"/>
           </a:p>
@@ -462,7 +463,7 @@
           <a:p>
             <a:fld id="{846CE7D5-CF57-46EF-B807-FDD0502418D4}" type="datetimeFigureOut">
               <a:rPr lang="en-US" smtClean="0"/>
-              <a:t>11/13/2022</a:t>
+              <a:t>11/14/2022</a:t>
             </a:fld>
             <a:endParaRPr lang="en-US"/>
           </a:p>
@@ -642,7 +643,7 @@
           <a:p>
             <a:fld id="{846CE7D5-CF57-46EF-B807-FDD0502418D4}" type="datetimeFigureOut">
               <a:rPr lang="en-US" smtClean="0"/>
-              <a:t>11/13/2022</a:t>
+              <a:t>11/14/2022</a:t>
             </a:fld>
             <a:endParaRPr lang="en-US"/>
           </a:p>
@@ -868,7 +869,7 @@
           <a:p>
             <a:fld id="{72EA7947-E287-4738-8C82-07CE4F01EF03}" type="datetime2">
               <a:rPr lang="en-US" smtClean="0"/>
-              <a:t>Sunday, November 13, 2022</a:t>
+              <a:t>Monday, November 14, 2022</a:t>
             </a:fld>
             <a:endParaRPr lang="en-US" dirty="0"/>
           </a:p>
@@ -2355,7 +2356,7 @@
           <a:p>
             <a:fld id="{6FE8C025-CD7A-4966-867E-81CF82B15267}" type="datetime2">
               <a:rPr lang="en-US" smtClean="0"/>
-              <a:t>Sunday, November 13, 2022</a:t>
+              <a:t>Monday, November 14, 2022</a:t>
             </a:fld>
             <a:endParaRPr lang="en-US"/>
           </a:p>
@@ -2975,7 +2976,7 @@
           <a:p>
             <a:fld id="{FE809929-0719-4517-94D6-FDF7F99E70F6}" type="datetime2">
               <a:rPr lang="en-US" smtClean="0"/>
-              <a:t>Sunday, November 13, 2022</a:t>
+              <a:t>Monday, November 14, 2022</a:t>
             </a:fld>
             <a:endParaRPr lang="en-US"/>
           </a:p>
@@ -4093,7 +4094,7 @@
           <a:p>
             <a:fld id="{20E95673-5512-4AAA-9AEB-E00C61EC65D5}" type="datetime2">
               <a:rPr lang="en-US" smtClean="0"/>
-              <a:t>Sunday, November 13, 2022</a:t>
+              <a:t>Monday, November 14, 2022</a:t>
             </a:fld>
             <a:endParaRPr lang="en-US"/>
           </a:p>
@@ -4640,7 +4641,7 @@
           <a:p>
             <a:fld id="{C13138FA-2E87-4873-8BBA-13E447C9A99A}" type="datetime2">
               <a:rPr lang="en-US" smtClean="0"/>
-              <a:t>Sunday, November 13, 2022</a:t>
+              <a:t>Monday, November 14, 2022</a:t>
             </a:fld>
             <a:endParaRPr lang="en-US"/>
           </a:p>
@@ -4801,7 +4802,7 @@
           <a:p>
             <a:fld id="{D75BB40A-97BD-4BFB-B639-0BFF95FDE8B7}" type="datetime2">
               <a:rPr lang="en-US" smtClean="0"/>
-              <a:t>Sunday, November 13, 2022</a:t>
+              <a:t>Monday, November 14, 2022</a:t>
             </a:fld>
             <a:endParaRPr lang="en-US"/>
           </a:p>
@@ -5836,7 +5837,7 @@
           <a:p>
             <a:fld id="{9EE9E0E3-ECF6-4CFE-8698-AEFEBCECC3C0}" type="datetime2">
               <a:rPr lang="en-US" smtClean="0"/>
-              <a:t>Sunday, November 13, 2022</a:t>
+              <a:t>Monday, November 14, 2022</a:t>
             </a:fld>
             <a:endParaRPr lang="en-US"/>
           </a:p>
@@ -6482,7 +6483,7 @@
           <a:p>
             <a:fld id="{251462FC-960E-4740-921F-B36862979F21}" type="datetime2">
               <a:rPr lang="en-US" smtClean="0"/>
-              <a:t>Sunday, November 13, 2022</a:t>
+              <a:t>Monday, November 14, 2022</a:t>
             </a:fld>
             <a:endParaRPr lang="en-US"/>
           </a:p>
@@ -6667,7 +6668,7 @@
           <a:p>
             <a:fld id="{846CE7D5-CF57-46EF-B807-FDD0502418D4}" type="datetimeFigureOut">
               <a:rPr lang="en-US" smtClean="0"/>
-              <a:t>11/13/2022</a:t>
+              <a:t>11/14/2022</a:t>
             </a:fld>
             <a:endParaRPr lang="en-US"/>
           </a:p>
@@ -7416,7 +7417,7 @@
           <a:p>
             <a:fld id="{E50BC9E2-CB44-4C05-9BB5-496C18A241E0}" type="datetime2">
               <a:rPr lang="en-US" smtClean="0"/>
-              <a:t>Sunday, November 13, 2022</a:t>
+              <a:t>Monday, November 14, 2022</a:t>
             </a:fld>
             <a:endParaRPr lang="en-US"/>
           </a:p>
@@ -7630,7 +7631,7 @@
           <a:p>
             <a:fld id="{EE2EBD84-71F4-4271-8C46-0D47C0A9B12E}" type="datetime2">
               <a:rPr lang="en-US" smtClean="0"/>
-              <a:t>Sunday, November 13, 2022</a:t>
+              <a:t>Monday, November 14, 2022</a:t>
             </a:fld>
             <a:endParaRPr lang="en-US"/>
           </a:p>
@@ -7841,7 +7842,7 @@
           <a:p>
             <a:fld id="{ABAE0CE1-F450-4107-B2CB-17B18F8A3F4A}" type="datetime2">
               <a:rPr lang="en-US" smtClean="0"/>
-              <a:t>Sunday, November 13, 2022</a:t>
+              <a:t>Monday, November 14, 2022</a:t>
             </a:fld>
             <a:endParaRPr lang="en-US"/>
           </a:p>
@@ -8102,7 +8103,7 @@
           <a:p>
             <a:fld id="{846CE7D5-CF57-46EF-B807-FDD0502418D4}" type="datetimeFigureOut">
               <a:rPr lang="en-US" smtClean="0"/>
-              <a:t>11/13/2022</a:t>
+              <a:t>11/14/2022</a:t>
             </a:fld>
             <a:endParaRPr lang="en-US"/>
           </a:p>
@@ -8334,7 +8335,7 @@
           <a:p>
             <a:fld id="{846CE7D5-CF57-46EF-B807-FDD0502418D4}" type="datetimeFigureOut">
               <a:rPr lang="en-US" smtClean="0"/>
-              <a:t>11/13/2022</a:t>
+              <a:t>11/14/2022</a:t>
             </a:fld>
             <a:endParaRPr lang="en-US"/>
           </a:p>
@@ -8701,7 +8702,7 @@
           <a:p>
             <a:fld id="{846CE7D5-CF57-46EF-B807-FDD0502418D4}" type="datetimeFigureOut">
               <a:rPr lang="en-US" smtClean="0"/>
-              <a:t>11/13/2022</a:t>
+              <a:t>11/14/2022</a:t>
             </a:fld>
             <a:endParaRPr lang="en-US"/>
           </a:p>
@@ -8819,7 +8820,7 @@
           <a:p>
             <a:fld id="{846CE7D5-CF57-46EF-B807-FDD0502418D4}" type="datetimeFigureOut">
               <a:rPr lang="en-US" smtClean="0"/>
-              <a:t>11/13/2022</a:t>
+              <a:t>11/14/2022</a:t>
             </a:fld>
             <a:endParaRPr lang="en-US"/>
           </a:p>
@@ -8914,7 +8915,7 @@
           <a:p>
             <a:fld id="{846CE7D5-CF57-46EF-B807-FDD0502418D4}" type="datetimeFigureOut">
               <a:rPr lang="en-US" smtClean="0"/>
-              <a:t>11/13/2022</a:t>
+              <a:t>11/14/2022</a:t>
             </a:fld>
             <a:endParaRPr lang="en-US"/>
           </a:p>
@@ -9191,7 +9192,7 @@
           <a:p>
             <a:fld id="{846CE7D5-CF57-46EF-B807-FDD0502418D4}" type="datetimeFigureOut">
               <a:rPr lang="en-US" smtClean="0"/>
-              <a:t>11/13/2022</a:t>
+              <a:t>11/14/2022</a:t>
             </a:fld>
             <a:endParaRPr lang="en-US"/>
           </a:p>
@@ -9448,7 +9449,7 @@
           <a:p>
             <a:fld id="{846CE7D5-CF57-46EF-B807-FDD0502418D4}" type="datetimeFigureOut">
               <a:rPr lang="en-US" smtClean="0"/>
-              <a:t>11/13/2022</a:t>
+              <a:t>11/14/2022</a:t>
             </a:fld>
             <a:endParaRPr lang="en-US"/>
           </a:p>
@@ -9661,7 +9662,7 @@
           <a:p>
             <a:fld id="{846CE7D5-CF57-46EF-B807-FDD0502418D4}" type="datetimeFigureOut">
               <a:rPr lang="en-US" smtClean="0"/>
-              <a:t>11/13/2022</a:t>
+              <a:t>11/14/2022</a:t>
             </a:fld>
             <a:endParaRPr lang="en-US"/>
           </a:p>
@@ -10226,7 +10227,7 @@
           <a:p>
             <a:fld id="{246CB39B-5F4C-4A7E-9BE3-AAFD45576D16}" type="datetime2">
               <a:rPr lang="en-US" smtClean="0"/>
-              <a:t>Sunday, November 13, 2022</a:t>
+              <a:t>Monday, November 14, 2022</a:t>
             </a:fld>
             <a:endParaRPr lang="en-US" dirty="0"/>
           </a:p>
@@ -12676,7 +12677,7 @@
                   </a:srgbClr>
                 </a:solidFill>
               </a:rPr>
-              <a:t>Inline makes things appear on the same line, fixed makes it appear in the same location even when the page is scrolled, and block makes things appear on separate lines.</a:t>
+              <a:t>Inline makes things appear on the same line, none makes it disappear, and block makes things appear on separate lines.</a:t>
             </a:r>
           </a:p>
         </p:txBody>
@@ -12782,8 +12783,9 @@
                   </a:srgbClr>
                 </a:solidFill>
               </a:rPr>
-              <a:t>This may come in handy once we begin working with CSS next lesson.</a:t>
-            </a:r>
+              <a:t>We will cover this next week.</a:t>
+            </a:r>
+            <a:endParaRPr lang="en-US" dirty="0"/>
           </a:p>
         </p:txBody>
       </p:sp>
@@ -15175,7 +15177,7 @@
                 <a:ea typeface="+mn-lt"/>
                 <a:cs typeface="+mn-lt"/>
               </a:rPr>
-              <a:t>CSS stand for Cascading Style Sheets.</a:t>
+              <a:t>CSS stands for Cascading Style Sheets.</a:t>
             </a:r>
             <a:endParaRPr lang="en-US" dirty="0">
               <a:solidFill>
